--- a/Credit Card Weekly Report.pptx
+++ b/Credit Card Weekly Report.pptx
@@ -3551,32 +3551,24 @@
                 <a:latin typeface="Calibri bold" panose="020F0702030404030204" pitchFamily="34" charset="0"/>
                 <a:cs typeface="Calibri bold" panose="020F0702030404030204" pitchFamily="34" charset="0"/>
               </a:rPr>
-              <a:t>Revenue Increased by 28.8%.</a:t>
-            </a:r>
-          </a:p>
-          <a:p>
-            <a:r>
-              <a:rPr lang="en-US" sz="1800" dirty="0">
+              <a:t>Revenue Increased by </a:t>
+            </a:r>
+            <a:r>
+              <a:rPr lang="en-US" sz="1800">
                 <a:solidFill>
-                  <a:srgbClr val="FFFFFF"/>
+                  <a:schemeClr val="bg1"/>
                 </a:solidFill>
                 <a:latin typeface="Calibri bold" panose="020F0702030404030204" pitchFamily="34" charset="0"/>
                 <a:cs typeface="Calibri bold" panose="020F0702030404030204" pitchFamily="34" charset="0"/>
               </a:rPr>
-              <a:t>C</a:t>
-            </a:r>
-            <a:r>
-              <a:rPr lang="en-US" sz="1800" dirty="0">
-                <a:solidFill>
-                  <a:srgbClr val="FFFFFF"/>
-                </a:solidFill>
-                <a:effectLst/>
-                <a:latin typeface="Calibri bold" panose="020F0702030404030204" pitchFamily="34" charset="0"/>
-                <a:cs typeface="Calibri bold" panose="020F0702030404030204" pitchFamily="34" charset="0"/>
-              </a:rPr>
-              <a:t>ustomer count increased by xx% .</a:t>
-            </a:r>
+              <a:t>28.8%.</a:t>
+            </a:r>
+          </a:p>
+          <a:p>
             <a:endParaRPr lang="en-US" sz="1800" dirty="0">
+              <a:solidFill>
+                <a:schemeClr val="bg1"/>
+              </a:solidFill>
               <a:latin typeface="Calibri bold" panose="020F0702030404030204" pitchFamily="34" charset="0"/>
               <a:cs typeface="Calibri bold" panose="020F0702030404030204" pitchFamily="34" charset="0"/>
             </a:endParaRPr>
